--- a/StrategyPattern.pptx
+++ b/StrategyPattern.pptx
@@ -23235,10 +23235,10 @@
       </p:sp>
       <p:grpSp>
         <p:nvGrpSpPr>
-          <p:cNvPr id="49" name="Group 48">
+          <p:cNvPr id="14" name="Group 13">
             <a:extLst>
               <a:ext uri="{FF2B5EF4-FFF2-40B4-BE49-F238E27FC236}">
-                <a16:creationId xmlns:a16="http://schemas.microsoft.com/office/drawing/2014/main" id="{02BD1E57-E60C-905B-9B76-E1B09F8BC22E}"/>
+                <a16:creationId xmlns:a16="http://schemas.microsoft.com/office/drawing/2014/main" id="{7DE3C747-ED3E-0CAB-3CA4-48EA2225CA28}"/>
               </a:ext>
             </a:extLst>
           </p:cNvPr>
@@ -23249,45 +23249,791 @@
           <a:xfrm>
             <a:off x="514354" y="320512"/>
             <a:ext cx="7926756" cy="3986473"/>
-            <a:chOff x="509048" y="565608"/>
+            <a:chOff x="514354" y="320512"/>
             <a:chExt cx="7926756" cy="3986473"/>
           </a:xfrm>
         </p:grpSpPr>
-        <p:pic>
-          <p:nvPicPr>
-            <p:cNvPr id="3" name="Picture 2">
+        <p:grpSp>
+          <p:nvGrpSpPr>
+            <p:cNvPr id="49" name="Group 48">
               <a:extLst>
                 <a:ext uri="{FF2B5EF4-FFF2-40B4-BE49-F238E27FC236}">
-                  <a16:creationId xmlns:a16="http://schemas.microsoft.com/office/drawing/2014/main" id="{AB6BB25A-AFF8-9D8A-ED4C-C12A1446AB83}"/>
+                  <a16:creationId xmlns:a16="http://schemas.microsoft.com/office/drawing/2014/main" id="{02BD1E57-E60C-905B-9B76-E1B09F8BC22E}"/>
                 </a:ext>
               </a:extLst>
             </p:cNvPr>
-            <p:cNvPicPr>
-              <a:picLocks noChangeAspect="1"/>
-            </p:cNvPicPr>
+            <p:cNvGrpSpPr/>
             <p:nvPr/>
-          </p:nvPicPr>
-          <p:blipFill>
-            <a:blip r:embed="rId3"/>
-            <a:srcRect/>
-            <a:stretch/>
-          </p:blipFill>
-          <p:spPr>
+          </p:nvGrpSpPr>
+          <p:grpSpPr>
             <a:xfrm>
-              <a:off x="509048" y="565608"/>
-              <a:ext cx="7917328" cy="3986473"/>
+              <a:off x="514354" y="320512"/>
+              <a:ext cx="7926756" cy="3986473"/>
+              <a:chOff x="509048" y="565608"/>
+              <a:chExt cx="7926756" cy="3986473"/>
             </a:xfrm>
-            <a:prstGeom prst="rect">
-              <a:avLst/>
-            </a:prstGeom>
-          </p:spPr>
-        </p:pic>
+          </p:grpSpPr>
+          <p:pic>
+            <p:nvPicPr>
+              <p:cNvPr id="3" name="Picture 2">
+                <a:extLst>
+                  <a:ext uri="{FF2B5EF4-FFF2-40B4-BE49-F238E27FC236}">
+                    <a16:creationId xmlns:a16="http://schemas.microsoft.com/office/drawing/2014/main" id="{AB6BB25A-AFF8-9D8A-ED4C-C12A1446AB83}"/>
+                  </a:ext>
+                </a:extLst>
+              </p:cNvPr>
+              <p:cNvPicPr>
+                <a:picLocks noChangeAspect="1"/>
+              </p:cNvPicPr>
+              <p:nvPr/>
+            </p:nvPicPr>
+            <p:blipFill>
+              <a:blip r:embed="rId3"/>
+              <a:srcRect/>
+              <a:stretch/>
+            </p:blipFill>
+            <p:spPr>
+              <a:xfrm>
+                <a:off x="509048" y="565608"/>
+                <a:ext cx="7917328" cy="3986473"/>
+              </a:xfrm>
+              <a:prstGeom prst="rect">
+                <a:avLst/>
+              </a:prstGeom>
+            </p:spPr>
+          </p:pic>
+          <p:sp>
+            <p:nvSpPr>
+              <p:cNvPr id="33" name="Rectangle 32">
+                <a:extLst>
+                  <a:ext uri="{FF2B5EF4-FFF2-40B4-BE49-F238E27FC236}">
+                    <a16:creationId xmlns:a16="http://schemas.microsoft.com/office/drawing/2014/main" id="{571C9626-687F-A40C-7C85-24C00B4D433E}"/>
+                  </a:ext>
+                </a:extLst>
+              </p:cNvPr>
+              <p:cNvSpPr/>
+              <p:nvPr/>
+            </p:nvSpPr>
+            <p:spPr>
+              <a:xfrm>
+                <a:off x="4722829" y="2723575"/>
+                <a:ext cx="3233395" cy="460037"/>
+              </a:xfrm>
+              <a:prstGeom prst="rect">
+                <a:avLst/>
+              </a:prstGeom>
+              <a:solidFill>
+                <a:schemeClr val="tx1"/>
+              </a:solidFill>
+              <a:ln>
+                <a:noFill/>
+              </a:ln>
+            </p:spPr>
+            <p:style>
+              <a:lnRef idx="2">
+                <a:schemeClr val="accent1">
+                  <a:shade val="15000"/>
+                </a:schemeClr>
+              </a:lnRef>
+              <a:fillRef idx="1">
+                <a:schemeClr val="accent1"/>
+              </a:fillRef>
+              <a:effectRef idx="0">
+                <a:schemeClr val="accent1"/>
+              </a:effectRef>
+              <a:fontRef idx="minor">
+                <a:schemeClr val="lt1"/>
+              </a:fontRef>
+            </p:style>
+            <p:txBody>
+              <a:bodyPr rtlCol="0" anchor="ctr"/>
+              <a:lstStyle/>
+              <a:p>
+                <a:pPr algn="ctr"/>
+                <a:endParaRPr lang="en-VN"/>
+              </a:p>
+            </p:txBody>
+          </p:sp>
+          <p:sp>
+            <p:nvSpPr>
+              <p:cNvPr id="4" name="Rectangle 3">
+                <a:extLst>
+                  <a:ext uri="{FF2B5EF4-FFF2-40B4-BE49-F238E27FC236}">
+                    <a16:creationId xmlns:a16="http://schemas.microsoft.com/office/drawing/2014/main" id="{49366911-D81F-F728-A541-27B15CF55746}"/>
+                  </a:ext>
+                </a:extLst>
+              </p:cNvPr>
+              <p:cNvSpPr/>
+              <p:nvPr/>
+            </p:nvSpPr>
+            <p:spPr>
+              <a:xfrm>
+                <a:off x="509048" y="1008668"/>
+                <a:ext cx="3817855" cy="3543413"/>
+              </a:xfrm>
+              <a:prstGeom prst="rect">
+                <a:avLst/>
+              </a:prstGeom>
+              <a:noFill/>
+              <a:ln>
+                <a:solidFill>
+                  <a:schemeClr val="bg1"/>
+                </a:solidFill>
+              </a:ln>
+            </p:spPr>
+            <p:style>
+              <a:lnRef idx="2">
+                <a:schemeClr val="accent1">
+                  <a:shade val="15000"/>
+                </a:schemeClr>
+              </a:lnRef>
+              <a:fillRef idx="1">
+                <a:schemeClr val="accent1"/>
+              </a:fillRef>
+              <a:effectRef idx="0">
+                <a:schemeClr val="accent1"/>
+              </a:effectRef>
+              <a:fontRef idx="minor">
+                <a:schemeClr val="lt1"/>
+              </a:fontRef>
+            </p:style>
+            <p:txBody>
+              <a:bodyPr rtlCol="0" anchor="ctr"/>
+              <a:lstStyle/>
+              <a:p>
+                <a:pPr algn="ctr"/>
+                <a:endParaRPr lang="en-VN"/>
+              </a:p>
+            </p:txBody>
+          </p:sp>
+          <p:sp>
+            <p:nvSpPr>
+              <p:cNvPr id="5" name="Rectangle 4">
+                <a:extLst>
+                  <a:ext uri="{FF2B5EF4-FFF2-40B4-BE49-F238E27FC236}">
+                    <a16:creationId xmlns:a16="http://schemas.microsoft.com/office/drawing/2014/main" id="{F8601562-E779-849A-8E5F-FF69A309DA2F}"/>
+                  </a:ext>
+                </a:extLst>
+              </p:cNvPr>
+              <p:cNvSpPr/>
+              <p:nvPr/>
+            </p:nvSpPr>
+            <p:spPr>
+              <a:xfrm>
+                <a:off x="5165890" y="591419"/>
+                <a:ext cx="2790334" cy="2085793"/>
+              </a:xfrm>
+              <a:prstGeom prst="rect">
+                <a:avLst/>
+              </a:prstGeom>
+              <a:noFill/>
+              <a:ln>
+                <a:solidFill>
+                  <a:schemeClr val="bg1"/>
+                </a:solidFill>
+              </a:ln>
+            </p:spPr>
+            <p:style>
+              <a:lnRef idx="2">
+                <a:schemeClr val="accent1">
+                  <a:shade val="15000"/>
+                </a:schemeClr>
+              </a:lnRef>
+              <a:fillRef idx="1">
+                <a:schemeClr val="accent1"/>
+              </a:fillRef>
+              <a:effectRef idx="0">
+                <a:schemeClr val="accent1"/>
+              </a:effectRef>
+              <a:fontRef idx="minor">
+                <a:schemeClr val="lt1"/>
+              </a:fontRef>
+            </p:style>
+            <p:txBody>
+              <a:bodyPr rtlCol="0" anchor="ctr"/>
+              <a:lstStyle/>
+              <a:p>
+                <a:pPr algn="ctr"/>
+                <a:endParaRPr lang="en-VN"/>
+              </a:p>
+            </p:txBody>
+          </p:sp>
+          <p:cxnSp>
+            <p:nvCxnSpPr>
+              <p:cNvPr id="8" name="Straight Connector 7">
+                <a:extLst>
+                  <a:ext uri="{FF2B5EF4-FFF2-40B4-BE49-F238E27FC236}">
+                    <a16:creationId xmlns:a16="http://schemas.microsoft.com/office/drawing/2014/main" id="{1EEA21F2-0CAE-771D-5F69-F68B24185E17}"/>
+                  </a:ext>
+                </a:extLst>
+              </p:cNvPr>
+              <p:cNvCxnSpPr/>
+              <p:nvPr/>
+            </p:nvCxnSpPr>
+            <p:spPr>
+              <a:xfrm>
+                <a:off x="509048" y="1319753"/>
+                <a:ext cx="3817855" cy="0"/>
+              </a:xfrm>
+              <a:prstGeom prst="line">
+                <a:avLst/>
+              </a:prstGeom>
+              <a:ln>
+                <a:solidFill>
+                  <a:schemeClr val="bg1"/>
+                </a:solidFill>
+              </a:ln>
+            </p:spPr>
+            <p:style>
+              <a:lnRef idx="1">
+                <a:schemeClr val="accent1"/>
+              </a:lnRef>
+              <a:fillRef idx="0">
+                <a:schemeClr val="accent1"/>
+              </a:fillRef>
+              <a:effectRef idx="0">
+                <a:schemeClr val="accent1"/>
+              </a:effectRef>
+              <a:fontRef idx="minor">
+                <a:schemeClr val="tx1"/>
+              </a:fontRef>
+            </p:style>
+          </p:cxnSp>
+          <p:cxnSp>
+            <p:nvCxnSpPr>
+              <p:cNvPr id="9" name="Straight Connector 8">
+                <a:extLst>
+                  <a:ext uri="{FF2B5EF4-FFF2-40B4-BE49-F238E27FC236}">
+                    <a16:creationId xmlns:a16="http://schemas.microsoft.com/office/drawing/2014/main" id="{44AAD78C-55BA-E646-EF01-DA2E7DECB7D4}"/>
+                  </a:ext>
+                </a:extLst>
+              </p:cNvPr>
+              <p:cNvCxnSpPr/>
+              <p:nvPr/>
+            </p:nvCxnSpPr>
+            <p:spPr>
+              <a:xfrm>
+                <a:off x="527902" y="2018908"/>
+                <a:ext cx="3817855" cy="0"/>
+              </a:xfrm>
+              <a:prstGeom prst="line">
+                <a:avLst/>
+              </a:prstGeom>
+              <a:ln>
+                <a:solidFill>
+                  <a:schemeClr val="bg1"/>
+                </a:solidFill>
+              </a:ln>
+            </p:spPr>
+            <p:style>
+              <a:lnRef idx="1">
+                <a:schemeClr val="accent1"/>
+              </a:lnRef>
+              <a:fillRef idx="0">
+                <a:schemeClr val="accent1"/>
+              </a:fillRef>
+              <a:effectRef idx="0">
+                <a:schemeClr val="accent1"/>
+              </a:effectRef>
+              <a:fontRef idx="minor">
+                <a:schemeClr val="tx1"/>
+              </a:fontRef>
+            </p:style>
+          </p:cxnSp>
+          <p:cxnSp>
+            <p:nvCxnSpPr>
+              <p:cNvPr id="11" name="Straight Connector 10">
+                <a:extLst>
+                  <a:ext uri="{FF2B5EF4-FFF2-40B4-BE49-F238E27FC236}">
+                    <a16:creationId xmlns:a16="http://schemas.microsoft.com/office/drawing/2014/main" id="{3EB47ACE-B801-97CF-FCAE-32CCD05C064B}"/>
+                  </a:ext>
+                </a:extLst>
+              </p:cNvPr>
+              <p:cNvCxnSpPr/>
+              <p:nvPr/>
+            </p:nvCxnSpPr>
+            <p:spPr>
+              <a:xfrm>
+                <a:off x="5165890" y="1008668"/>
+                <a:ext cx="2790334" cy="0"/>
+              </a:xfrm>
+              <a:prstGeom prst="line">
+                <a:avLst/>
+              </a:prstGeom>
+              <a:ln>
+                <a:solidFill>
+                  <a:schemeClr val="bg1"/>
+                </a:solidFill>
+              </a:ln>
+            </p:spPr>
+            <p:style>
+              <a:lnRef idx="1">
+                <a:schemeClr val="accent1"/>
+              </a:lnRef>
+              <a:fillRef idx="0">
+                <a:schemeClr val="accent1"/>
+              </a:fillRef>
+              <a:effectRef idx="0">
+                <a:schemeClr val="accent1"/>
+              </a:effectRef>
+              <a:fontRef idx="minor">
+                <a:schemeClr val="tx1"/>
+              </a:fontRef>
+            </p:style>
+          </p:cxnSp>
+          <p:cxnSp>
+            <p:nvCxnSpPr>
+              <p:cNvPr id="12" name="Straight Connector 11">
+                <a:extLst>
+                  <a:ext uri="{FF2B5EF4-FFF2-40B4-BE49-F238E27FC236}">
+                    <a16:creationId xmlns:a16="http://schemas.microsoft.com/office/drawing/2014/main" id="{207EDC92-0034-176E-75E6-6A92CEAF36C7}"/>
+                  </a:ext>
+                </a:extLst>
+              </p:cNvPr>
+              <p:cNvCxnSpPr/>
+              <p:nvPr/>
+            </p:nvCxnSpPr>
+            <p:spPr>
+              <a:xfrm>
+                <a:off x="5165890" y="1085653"/>
+                <a:ext cx="2790334" cy="0"/>
+              </a:xfrm>
+              <a:prstGeom prst="line">
+                <a:avLst/>
+              </a:prstGeom>
+              <a:ln>
+                <a:solidFill>
+                  <a:schemeClr val="bg1"/>
+                </a:solidFill>
+              </a:ln>
+            </p:spPr>
+            <p:style>
+              <a:lnRef idx="1">
+                <a:schemeClr val="accent1"/>
+              </a:lnRef>
+              <a:fillRef idx="0">
+                <a:schemeClr val="accent1"/>
+              </a:fillRef>
+              <a:effectRef idx="0">
+                <a:schemeClr val="accent1"/>
+              </a:effectRef>
+              <a:fontRef idx="minor">
+                <a:schemeClr val="tx1"/>
+              </a:fontRef>
+            </p:style>
+          </p:cxnSp>
+          <p:sp>
+            <p:nvSpPr>
+              <p:cNvPr id="13" name="Rectangle 12">
+                <a:extLst>
+                  <a:ext uri="{FF2B5EF4-FFF2-40B4-BE49-F238E27FC236}">
+                    <a16:creationId xmlns:a16="http://schemas.microsoft.com/office/drawing/2014/main" id="{7044598E-0565-12DF-6F09-B7B69744DDA9}"/>
+                  </a:ext>
+                </a:extLst>
+              </p:cNvPr>
+              <p:cNvSpPr/>
+              <p:nvPr/>
+            </p:nvSpPr>
+            <p:spPr>
+              <a:xfrm>
+                <a:off x="4477732" y="3252247"/>
+                <a:ext cx="1979629" cy="1187778"/>
+              </a:xfrm>
+              <a:prstGeom prst="rect">
+                <a:avLst/>
+              </a:prstGeom>
+              <a:noFill/>
+              <a:ln>
+                <a:solidFill>
+                  <a:schemeClr val="bg1"/>
+                </a:solidFill>
+              </a:ln>
+            </p:spPr>
+            <p:style>
+              <a:lnRef idx="2">
+                <a:schemeClr val="accent1">
+                  <a:shade val="15000"/>
+                </a:schemeClr>
+              </a:lnRef>
+              <a:fillRef idx="1">
+                <a:schemeClr val="accent1"/>
+              </a:fillRef>
+              <a:effectRef idx="0">
+                <a:schemeClr val="accent1"/>
+              </a:effectRef>
+              <a:fontRef idx="minor">
+                <a:schemeClr val="lt1"/>
+              </a:fontRef>
+            </p:style>
+            <p:txBody>
+              <a:bodyPr rtlCol="0" anchor="ctr"/>
+              <a:lstStyle/>
+              <a:p>
+                <a:pPr algn="ctr"/>
+                <a:endParaRPr lang="en-VN"/>
+              </a:p>
+            </p:txBody>
+          </p:sp>
+          <p:cxnSp>
+            <p:nvCxnSpPr>
+              <p:cNvPr id="15" name="Straight Connector 14">
+                <a:extLst>
+                  <a:ext uri="{FF2B5EF4-FFF2-40B4-BE49-F238E27FC236}">
+                    <a16:creationId xmlns:a16="http://schemas.microsoft.com/office/drawing/2014/main" id="{E1D98409-F1F6-F812-F892-B90B4CD5C45C}"/>
+                  </a:ext>
+                </a:extLst>
+              </p:cNvPr>
+              <p:cNvCxnSpPr/>
+              <p:nvPr/>
+            </p:nvCxnSpPr>
+            <p:spPr>
+              <a:xfrm>
+                <a:off x="4468305" y="3657600"/>
+                <a:ext cx="1998482" cy="0"/>
+              </a:xfrm>
+              <a:prstGeom prst="line">
+                <a:avLst/>
+              </a:prstGeom>
+              <a:ln>
+                <a:solidFill>
+                  <a:schemeClr val="bg1"/>
+                </a:solidFill>
+              </a:ln>
+            </p:spPr>
+            <p:style>
+              <a:lnRef idx="1">
+                <a:schemeClr val="accent1"/>
+              </a:lnRef>
+              <a:fillRef idx="0">
+                <a:schemeClr val="accent1"/>
+              </a:fillRef>
+              <a:effectRef idx="0">
+                <a:schemeClr val="accent1"/>
+              </a:effectRef>
+              <a:fontRef idx="minor">
+                <a:schemeClr val="tx1"/>
+              </a:fontRef>
+            </p:style>
+          </p:cxnSp>
+          <p:cxnSp>
+            <p:nvCxnSpPr>
+              <p:cNvPr id="16" name="Straight Connector 15">
+                <a:extLst>
+                  <a:ext uri="{FF2B5EF4-FFF2-40B4-BE49-F238E27FC236}">
+                    <a16:creationId xmlns:a16="http://schemas.microsoft.com/office/drawing/2014/main" id="{F6AE8785-0839-F1B0-7ACE-4ED1C091261E}"/>
+                  </a:ext>
+                </a:extLst>
+              </p:cNvPr>
+              <p:cNvCxnSpPr/>
+              <p:nvPr/>
+            </p:nvCxnSpPr>
+            <p:spPr>
+              <a:xfrm>
+                <a:off x="4477732" y="3734586"/>
+                <a:ext cx="1998482" cy="0"/>
+              </a:xfrm>
+              <a:prstGeom prst="line">
+                <a:avLst/>
+              </a:prstGeom>
+              <a:ln>
+                <a:solidFill>
+                  <a:schemeClr val="bg1"/>
+                </a:solidFill>
+              </a:ln>
+            </p:spPr>
+            <p:style>
+              <a:lnRef idx="1">
+                <a:schemeClr val="accent1"/>
+              </a:lnRef>
+              <a:fillRef idx="0">
+                <a:schemeClr val="accent1"/>
+              </a:fillRef>
+              <a:effectRef idx="0">
+                <a:schemeClr val="accent1"/>
+              </a:effectRef>
+              <a:fontRef idx="minor">
+                <a:schemeClr val="tx1"/>
+              </a:fontRef>
+            </p:style>
+          </p:cxnSp>
+          <p:sp>
+            <p:nvSpPr>
+              <p:cNvPr id="17" name="Rectangle 16">
+                <a:extLst>
+                  <a:ext uri="{FF2B5EF4-FFF2-40B4-BE49-F238E27FC236}">
+                    <a16:creationId xmlns:a16="http://schemas.microsoft.com/office/drawing/2014/main" id="{B0031E0B-71C0-5DC3-BDEF-99FEEAADEF67}"/>
+                  </a:ext>
+                </a:extLst>
+              </p:cNvPr>
+              <p:cNvSpPr/>
+              <p:nvPr/>
+            </p:nvSpPr>
+            <p:spPr>
+              <a:xfrm>
+                <a:off x="6655324" y="3260608"/>
+                <a:ext cx="1780480" cy="1187778"/>
+              </a:xfrm>
+              <a:prstGeom prst="rect">
+                <a:avLst/>
+              </a:prstGeom>
+              <a:noFill/>
+              <a:ln>
+                <a:solidFill>
+                  <a:schemeClr val="bg1"/>
+                </a:solidFill>
+              </a:ln>
+            </p:spPr>
+            <p:style>
+              <a:lnRef idx="2">
+                <a:schemeClr val="accent1">
+                  <a:shade val="15000"/>
+                </a:schemeClr>
+              </a:lnRef>
+              <a:fillRef idx="1">
+                <a:schemeClr val="accent1"/>
+              </a:fillRef>
+              <a:effectRef idx="0">
+                <a:schemeClr val="accent1"/>
+              </a:effectRef>
+              <a:fontRef idx="minor">
+                <a:schemeClr val="lt1"/>
+              </a:fontRef>
+            </p:style>
+            <p:txBody>
+              <a:bodyPr rtlCol="0" anchor="ctr"/>
+              <a:lstStyle/>
+              <a:p>
+                <a:pPr algn="ctr"/>
+                <a:endParaRPr lang="en-VN"/>
+              </a:p>
+            </p:txBody>
+          </p:sp>
+          <p:cxnSp>
+            <p:nvCxnSpPr>
+              <p:cNvPr id="18" name="Straight Connector 17">
+                <a:extLst>
+                  <a:ext uri="{FF2B5EF4-FFF2-40B4-BE49-F238E27FC236}">
+                    <a16:creationId xmlns:a16="http://schemas.microsoft.com/office/drawing/2014/main" id="{A9FDDAE6-486D-5A59-592F-6DBD7F4CB028}"/>
+                  </a:ext>
+                </a:extLst>
+              </p:cNvPr>
+              <p:cNvCxnSpPr>
+                <a:cxnSpLocks/>
+              </p:cNvCxnSpPr>
+              <p:nvPr/>
+            </p:nvCxnSpPr>
+            <p:spPr>
+              <a:xfrm>
+                <a:off x="6655324" y="3657600"/>
+                <a:ext cx="1780480" cy="0"/>
+              </a:xfrm>
+              <a:prstGeom prst="line">
+                <a:avLst/>
+              </a:prstGeom>
+              <a:ln>
+                <a:solidFill>
+                  <a:schemeClr val="bg1"/>
+                </a:solidFill>
+              </a:ln>
+            </p:spPr>
+            <p:style>
+              <a:lnRef idx="1">
+                <a:schemeClr val="accent1"/>
+              </a:lnRef>
+              <a:fillRef idx="0">
+                <a:schemeClr val="accent1"/>
+              </a:fillRef>
+              <a:effectRef idx="0">
+                <a:schemeClr val="accent1"/>
+              </a:effectRef>
+              <a:fontRef idx="minor">
+                <a:schemeClr val="tx1"/>
+              </a:fontRef>
+            </p:style>
+          </p:cxnSp>
+          <p:cxnSp>
+            <p:nvCxnSpPr>
+              <p:cNvPr id="20" name="Straight Connector 19">
+                <a:extLst>
+                  <a:ext uri="{FF2B5EF4-FFF2-40B4-BE49-F238E27FC236}">
+                    <a16:creationId xmlns:a16="http://schemas.microsoft.com/office/drawing/2014/main" id="{802527C1-202E-2B4D-EF8A-D7D9C1074B89}"/>
+                  </a:ext>
+                </a:extLst>
+              </p:cNvPr>
+              <p:cNvCxnSpPr>
+                <a:cxnSpLocks/>
+              </p:cNvCxnSpPr>
+              <p:nvPr/>
+            </p:nvCxnSpPr>
+            <p:spPr>
+              <a:xfrm>
+                <a:off x="6655324" y="3734586"/>
+                <a:ext cx="1780480" cy="0"/>
+              </a:xfrm>
+              <a:prstGeom prst="line">
+                <a:avLst/>
+              </a:prstGeom>
+              <a:ln>
+                <a:solidFill>
+                  <a:schemeClr val="bg1"/>
+                </a:solidFill>
+              </a:ln>
+            </p:spPr>
+            <p:style>
+              <a:lnRef idx="1">
+                <a:schemeClr val="accent1"/>
+              </a:lnRef>
+              <a:fillRef idx="0">
+                <a:schemeClr val="accent1"/>
+              </a:fillRef>
+              <a:effectRef idx="0">
+                <a:schemeClr val="accent1"/>
+              </a:effectRef>
+              <a:fontRef idx="minor">
+                <a:schemeClr val="tx1"/>
+              </a:fontRef>
+            </p:style>
+          </p:cxnSp>
+          <p:cxnSp>
+            <p:nvCxnSpPr>
+              <p:cNvPr id="35" name="Straight Arrow Connector 34">
+                <a:extLst>
+                  <a:ext uri="{FF2B5EF4-FFF2-40B4-BE49-F238E27FC236}">
+                    <a16:creationId xmlns:a16="http://schemas.microsoft.com/office/drawing/2014/main" id="{BE75D2CC-2028-E094-A26F-12BDB14A7D60}"/>
+                  </a:ext>
+                </a:extLst>
+              </p:cNvPr>
+              <p:cNvCxnSpPr>
+                <a:cxnSpLocks/>
+              </p:cNvCxnSpPr>
+              <p:nvPr/>
+            </p:nvCxnSpPr>
+            <p:spPr>
+              <a:xfrm>
+                <a:off x="4374036" y="2026763"/>
+                <a:ext cx="791854" cy="0"/>
+              </a:xfrm>
+              <a:prstGeom prst="straightConnector1">
+                <a:avLst/>
+              </a:prstGeom>
+              <a:ln w="28575">
+                <a:solidFill>
+                  <a:schemeClr val="tx2"/>
+                </a:solidFill>
+                <a:headEnd type="diamond" w="med" len="med"/>
+                <a:tailEnd type="triangle" w="med" len="med"/>
+              </a:ln>
+            </p:spPr>
+            <p:style>
+              <a:lnRef idx="1">
+                <a:schemeClr val="accent1"/>
+              </a:lnRef>
+              <a:fillRef idx="0">
+                <a:schemeClr val="accent1"/>
+              </a:fillRef>
+              <a:effectRef idx="0">
+                <a:schemeClr val="accent1"/>
+              </a:effectRef>
+              <a:fontRef idx="minor">
+                <a:schemeClr val="tx1"/>
+              </a:fontRef>
+            </p:style>
+          </p:cxnSp>
+          <p:cxnSp>
+            <p:nvCxnSpPr>
+              <p:cNvPr id="46" name="Straight Arrow Connector 45">
+                <a:extLst>
+                  <a:ext uri="{FF2B5EF4-FFF2-40B4-BE49-F238E27FC236}">
+                    <a16:creationId xmlns:a16="http://schemas.microsoft.com/office/drawing/2014/main" id="{BDBE9CAB-8D93-7FEC-B005-882265EB2EB1}"/>
+                  </a:ext>
+                </a:extLst>
+              </p:cNvPr>
+              <p:cNvCxnSpPr>
+                <a:cxnSpLocks/>
+              </p:cNvCxnSpPr>
+              <p:nvPr/>
+            </p:nvCxnSpPr>
+            <p:spPr>
+              <a:xfrm flipV="1">
+                <a:off x="5467547" y="2707063"/>
+                <a:ext cx="857839" cy="535757"/>
+              </a:xfrm>
+              <a:prstGeom prst="straightConnector1">
+                <a:avLst/>
+              </a:prstGeom>
+              <a:ln w="28575">
+                <a:solidFill>
+                  <a:schemeClr val="tx2"/>
+                </a:solidFill>
+                <a:tailEnd type="triangle"/>
+              </a:ln>
+            </p:spPr>
+            <p:style>
+              <a:lnRef idx="1">
+                <a:schemeClr val="accent1"/>
+              </a:lnRef>
+              <a:fillRef idx="0">
+                <a:schemeClr val="accent1"/>
+              </a:fillRef>
+              <a:effectRef idx="0">
+                <a:schemeClr val="accent1"/>
+              </a:effectRef>
+              <a:fontRef idx="minor">
+                <a:schemeClr val="tx1"/>
+              </a:fontRef>
+            </p:style>
+          </p:cxnSp>
+          <p:cxnSp>
+            <p:nvCxnSpPr>
+              <p:cNvPr id="47" name="Straight Arrow Connector 46">
+                <a:extLst>
+                  <a:ext uri="{FF2B5EF4-FFF2-40B4-BE49-F238E27FC236}">
+                    <a16:creationId xmlns:a16="http://schemas.microsoft.com/office/drawing/2014/main" id="{874667CF-56BD-402F-FA5C-0AD02CD4CDDD}"/>
+                  </a:ext>
+                </a:extLst>
+              </p:cNvPr>
+              <p:cNvCxnSpPr>
+                <a:cxnSpLocks/>
+              </p:cNvCxnSpPr>
+              <p:nvPr/>
+            </p:nvCxnSpPr>
+            <p:spPr>
+              <a:xfrm flipH="1" flipV="1">
+                <a:off x="6711885" y="2692429"/>
+                <a:ext cx="820134" cy="535757"/>
+              </a:xfrm>
+              <a:prstGeom prst="straightConnector1">
+                <a:avLst/>
+              </a:prstGeom>
+              <a:ln w="28575">
+                <a:solidFill>
+                  <a:schemeClr val="tx2"/>
+                </a:solidFill>
+                <a:tailEnd type="triangle"/>
+              </a:ln>
+            </p:spPr>
+            <p:style>
+              <a:lnRef idx="1">
+                <a:schemeClr val="accent1"/>
+              </a:lnRef>
+              <a:fillRef idx="0">
+                <a:schemeClr val="accent1"/>
+              </a:fillRef>
+              <a:effectRef idx="0">
+                <a:schemeClr val="accent1"/>
+              </a:effectRef>
+              <a:fontRef idx="minor">
+                <a:schemeClr val="tx1"/>
+              </a:fontRef>
+            </p:style>
+          </p:cxnSp>
+        </p:grpSp>
         <p:sp>
           <p:nvSpPr>
-            <p:cNvPr id="33" name="Rectangle 32">
+            <p:cNvPr id="7" name="Rectangle 6">
               <a:extLst>
                 <a:ext uri="{FF2B5EF4-FFF2-40B4-BE49-F238E27FC236}">
-                  <a16:creationId xmlns:a16="http://schemas.microsoft.com/office/drawing/2014/main" id="{571C9626-687F-A40C-7C85-24C00B4D433E}"/>
+                  <a16:creationId xmlns:a16="http://schemas.microsoft.com/office/drawing/2014/main" id="{90397EEA-115D-1262-2EFA-722B4C7DE25B}"/>
                 </a:ext>
               </a:extLst>
             </p:cNvPr>
@@ -23296,15 +24042,12 @@
           </p:nvSpPr>
           <p:spPr>
             <a:xfrm>
-              <a:off x="4722829" y="2723575"/>
-              <a:ext cx="3233395" cy="460037"/>
+              <a:off x="5901772" y="3817857"/>
+              <a:ext cx="428920" cy="282804"/>
             </a:xfrm>
             <a:prstGeom prst="rect">
               <a:avLst/>
             </a:prstGeom>
-            <a:solidFill>
-              <a:schemeClr val="tx1"/>
-            </a:solidFill>
             <a:ln>
               <a:noFill/>
             </a:ln>
@@ -23329,17 +24072,19 @@
             <a:bodyPr rtlCol="0" anchor="ctr"/>
             <a:lstStyle/>
             <a:p>
-              <a:pPr algn="ctr"/>
-              <a:endParaRPr lang="en-VN"/>
+              <a:r>
+                <a:rPr lang="en-VN" dirty="0"/>
+                <a:t>;</a:t>
+              </a:r>
             </a:p>
           </p:txBody>
         </p:sp>
         <p:sp>
           <p:nvSpPr>
-            <p:cNvPr id="4" name="Rectangle 3">
+            <p:cNvPr id="10" name="Rectangle 9">
               <a:extLst>
                 <a:ext uri="{FF2B5EF4-FFF2-40B4-BE49-F238E27FC236}">
-                  <a16:creationId xmlns:a16="http://schemas.microsoft.com/office/drawing/2014/main" id="{49366911-D81F-F728-A541-27B15CF55746}"/>
+                  <a16:creationId xmlns:a16="http://schemas.microsoft.com/office/drawing/2014/main" id="{1C3E13F0-D5D4-CC52-666A-EBCAF5348412}"/>
                 </a:ext>
               </a:extLst>
             </p:cNvPr>
@@ -23348,17 +24093,14 @@
           </p:nvSpPr>
           <p:spPr>
             <a:xfrm>
-              <a:off x="509048" y="1008668"/>
-              <a:ext cx="3817855" cy="3543413"/>
+              <a:off x="8069931" y="3817857"/>
+              <a:ext cx="313440" cy="282804"/>
             </a:xfrm>
             <a:prstGeom prst="rect">
               <a:avLst/>
             </a:prstGeom>
-            <a:noFill/>
             <a:ln>
-              <a:solidFill>
-                <a:schemeClr val="bg1"/>
-              </a:solidFill>
+              <a:noFill/>
             </a:ln>
           </p:spPr>
           <p:style>
@@ -23381,632 +24123,13 @@
             <a:bodyPr rtlCol="0" anchor="ctr"/>
             <a:lstStyle/>
             <a:p>
-              <a:pPr algn="ctr"/>
-              <a:endParaRPr lang="en-VN"/>
+              <a:r>
+                <a:rPr lang="en-VN" dirty="0"/>
+                <a:t>;</a:t>
+              </a:r>
             </a:p>
           </p:txBody>
         </p:sp>
-        <p:sp>
-          <p:nvSpPr>
-            <p:cNvPr id="5" name="Rectangle 4">
-              <a:extLst>
-                <a:ext uri="{FF2B5EF4-FFF2-40B4-BE49-F238E27FC236}">
-                  <a16:creationId xmlns:a16="http://schemas.microsoft.com/office/drawing/2014/main" id="{F8601562-E779-849A-8E5F-FF69A309DA2F}"/>
-                </a:ext>
-              </a:extLst>
-            </p:cNvPr>
-            <p:cNvSpPr/>
-            <p:nvPr/>
-          </p:nvSpPr>
-          <p:spPr>
-            <a:xfrm>
-              <a:off x="5165890" y="591419"/>
-              <a:ext cx="2790334" cy="2085793"/>
-            </a:xfrm>
-            <a:prstGeom prst="rect">
-              <a:avLst/>
-            </a:prstGeom>
-            <a:noFill/>
-            <a:ln>
-              <a:solidFill>
-                <a:schemeClr val="bg1"/>
-              </a:solidFill>
-            </a:ln>
-          </p:spPr>
-          <p:style>
-            <a:lnRef idx="2">
-              <a:schemeClr val="accent1">
-                <a:shade val="15000"/>
-              </a:schemeClr>
-            </a:lnRef>
-            <a:fillRef idx="1">
-              <a:schemeClr val="accent1"/>
-            </a:fillRef>
-            <a:effectRef idx="0">
-              <a:schemeClr val="accent1"/>
-            </a:effectRef>
-            <a:fontRef idx="minor">
-              <a:schemeClr val="lt1"/>
-            </a:fontRef>
-          </p:style>
-          <p:txBody>
-            <a:bodyPr rtlCol="0" anchor="ctr"/>
-            <a:lstStyle/>
-            <a:p>
-              <a:pPr algn="ctr"/>
-              <a:endParaRPr lang="en-VN"/>
-            </a:p>
-          </p:txBody>
-        </p:sp>
-        <p:cxnSp>
-          <p:nvCxnSpPr>
-            <p:cNvPr id="8" name="Straight Connector 7">
-              <a:extLst>
-                <a:ext uri="{FF2B5EF4-FFF2-40B4-BE49-F238E27FC236}">
-                  <a16:creationId xmlns:a16="http://schemas.microsoft.com/office/drawing/2014/main" id="{1EEA21F2-0CAE-771D-5F69-F68B24185E17}"/>
-                </a:ext>
-              </a:extLst>
-            </p:cNvPr>
-            <p:cNvCxnSpPr/>
-            <p:nvPr/>
-          </p:nvCxnSpPr>
-          <p:spPr>
-            <a:xfrm>
-              <a:off x="509048" y="1319753"/>
-              <a:ext cx="3817855" cy="0"/>
-            </a:xfrm>
-            <a:prstGeom prst="line">
-              <a:avLst/>
-            </a:prstGeom>
-            <a:ln>
-              <a:solidFill>
-                <a:schemeClr val="bg1"/>
-              </a:solidFill>
-            </a:ln>
-          </p:spPr>
-          <p:style>
-            <a:lnRef idx="1">
-              <a:schemeClr val="accent1"/>
-            </a:lnRef>
-            <a:fillRef idx="0">
-              <a:schemeClr val="accent1"/>
-            </a:fillRef>
-            <a:effectRef idx="0">
-              <a:schemeClr val="accent1"/>
-            </a:effectRef>
-            <a:fontRef idx="minor">
-              <a:schemeClr val="tx1"/>
-            </a:fontRef>
-          </p:style>
-        </p:cxnSp>
-        <p:cxnSp>
-          <p:nvCxnSpPr>
-            <p:cNvPr id="9" name="Straight Connector 8">
-              <a:extLst>
-                <a:ext uri="{FF2B5EF4-FFF2-40B4-BE49-F238E27FC236}">
-                  <a16:creationId xmlns:a16="http://schemas.microsoft.com/office/drawing/2014/main" id="{44AAD78C-55BA-E646-EF01-DA2E7DECB7D4}"/>
-                </a:ext>
-              </a:extLst>
-            </p:cNvPr>
-            <p:cNvCxnSpPr/>
-            <p:nvPr/>
-          </p:nvCxnSpPr>
-          <p:spPr>
-            <a:xfrm>
-              <a:off x="527902" y="2018908"/>
-              <a:ext cx="3817855" cy="0"/>
-            </a:xfrm>
-            <a:prstGeom prst="line">
-              <a:avLst/>
-            </a:prstGeom>
-            <a:ln>
-              <a:solidFill>
-                <a:schemeClr val="bg1"/>
-              </a:solidFill>
-            </a:ln>
-          </p:spPr>
-          <p:style>
-            <a:lnRef idx="1">
-              <a:schemeClr val="accent1"/>
-            </a:lnRef>
-            <a:fillRef idx="0">
-              <a:schemeClr val="accent1"/>
-            </a:fillRef>
-            <a:effectRef idx="0">
-              <a:schemeClr val="accent1"/>
-            </a:effectRef>
-            <a:fontRef idx="minor">
-              <a:schemeClr val="tx1"/>
-            </a:fontRef>
-          </p:style>
-        </p:cxnSp>
-        <p:cxnSp>
-          <p:nvCxnSpPr>
-            <p:cNvPr id="11" name="Straight Connector 10">
-              <a:extLst>
-                <a:ext uri="{FF2B5EF4-FFF2-40B4-BE49-F238E27FC236}">
-                  <a16:creationId xmlns:a16="http://schemas.microsoft.com/office/drawing/2014/main" id="{3EB47ACE-B801-97CF-FCAE-32CCD05C064B}"/>
-                </a:ext>
-              </a:extLst>
-            </p:cNvPr>
-            <p:cNvCxnSpPr/>
-            <p:nvPr/>
-          </p:nvCxnSpPr>
-          <p:spPr>
-            <a:xfrm>
-              <a:off x="5165890" y="1008668"/>
-              <a:ext cx="2790334" cy="0"/>
-            </a:xfrm>
-            <a:prstGeom prst="line">
-              <a:avLst/>
-            </a:prstGeom>
-            <a:ln>
-              <a:solidFill>
-                <a:schemeClr val="bg1"/>
-              </a:solidFill>
-            </a:ln>
-          </p:spPr>
-          <p:style>
-            <a:lnRef idx="1">
-              <a:schemeClr val="accent1"/>
-            </a:lnRef>
-            <a:fillRef idx="0">
-              <a:schemeClr val="accent1"/>
-            </a:fillRef>
-            <a:effectRef idx="0">
-              <a:schemeClr val="accent1"/>
-            </a:effectRef>
-            <a:fontRef idx="minor">
-              <a:schemeClr val="tx1"/>
-            </a:fontRef>
-          </p:style>
-        </p:cxnSp>
-        <p:cxnSp>
-          <p:nvCxnSpPr>
-            <p:cNvPr id="12" name="Straight Connector 11">
-              <a:extLst>
-                <a:ext uri="{FF2B5EF4-FFF2-40B4-BE49-F238E27FC236}">
-                  <a16:creationId xmlns:a16="http://schemas.microsoft.com/office/drawing/2014/main" id="{207EDC92-0034-176E-75E6-6A92CEAF36C7}"/>
-                </a:ext>
-              </a:extLst>
-            </p:cNvPr>
-            <p:cNvCxnSpPr/>
-            <p:nvPr/>
-          </p:nvCxnSpPr>
-          <p:spPr>
-            <a:xfrm>
-              <a:off x="5165890" y="1085653"/>
-              <a:ext cx="2790334" cy="0"/>
-            </a:xfrm>
-            <a:prstGeom prst="line">
-              <a:avLst/>
-            </a:prstGeom>
-            <a:ln>
-              <a:solidFill>
-                <a:schemeClr val="bg1"/>
-              </a:solidFill>
-            </a:ln>
-          </p:spPr>
-          <p:style>
-            <a:lnRef idx="1">
-              <a:schemeClr val="accent1"/>
-            </a:lnRef>
-            <a:fillRef idx="0">
-              <a:schemeClr val="accent1"/>
-            </a:fillRef>
-            <a:effectRef idx="0">
-              <a:schemeClr val="accent1"/>
-            </a:effectRef>
-            <a:fontRef idx="minor">
-              <a:schemeClr val="tx1"/>
-            </a:fontRef>
-          </p:style>
-        </p:cxnSp>
-        <p:sp>
-          <p:nvSpPr>
-            <p:cNvPr id="13" name="Rectangle 12">
-              <a:extLst>
-                <a:ext uri="{FF2B5EF4-FFF2-40B4-BE49-F238E27FC236}">
-                  <a16:creationId xmlns:a16="http://schemas.microsoft.com/office/drawing/2014/main" id="{7044598E-0565-12DF-6F09-B7B69744DDA9}"/>
-                </a:ext>
-              </a:extLst>
-            </p:cNvPr>
-            <p:cNvSpPr/>
-            <p:nvPr/>
-          </p:nvSpPr>
-          <p:spPr>
-            <a:xfrm>
-              <a:off x="4477732" y="3252247"/>
-              <a:ext cx="1979629" cy="1187778"/>
-            </a:xfrm>
-            <a:prstGeom prst="rect">
-              <a:avLst/>
-            </a:prstGeom>
-            <a:noFill/>
-            <a:ln>
-              <a:solidFill>
-                <a:schemeClr val="bg1"/>
-              </a:solidFill>
-            </a:ln>
-          </p:spPr>
-          <p:style>
-            <a:lnRef idx="2">
-              <a:schemeClr val="accent1">
-                <a:shade val="15000"/>
-              </a:schemeClr>
-            </a:lnRef>
-            <a:fillRef idx="1">
-              <a:schemeClr val="accent1"/>
-            </a:fillRef>
-            <a:effectRef idx="0">
-              <a:schemeClr val="accent1"/>
-            </a:effectRef>
-            <a:fontRef idx="minor">
-              <a:schemeClr val="lt1"/>
-            </a:fontRef>
-          </p:style>
-          <p:txBody>
-            <a:bodyPr rtlCol="0" anchor="ctr"/>
-            <a:lstStyle/>
-            <a:p>
-              <a:pPr algn="ctr"/>
-              <a:endParaRPr lang="en-VN"/>
-            </a:p>
-          </p:txBody>
-        </p:sp>
-        <p:cxnSp>
-          <p:nvCxnSpPr>
-            <p:cNvPr id="15" name="Straight Connector 14">
-              <a:extLst>
-                <a:ext uri="{FF2B5EF4-FFF2-40B4-BE49-F238E27FC236}">
-                  <a16:creationId xmlns:a16="http://schemas.microsoft.com/office/drawing/2014/main" id="{E1D98409-F1F6-F812-F892-B90B4CD5C45C}"/>
-                </a:ext>
-              </a:extLst>
-            </p:cNvPr>
-            <p:cNvCxnSpPr/>
-            <p:nvPr/>
-          </p:nvCxnSpPr>
-          <p:spPr>
-            <a:xfrm>
-              <a:off x="4468305" y="3657600"/>
-              <a:ext cx="1998482" cy="0"/>
-            </a:xfrm>
-            <a:prstGeom prst="line">
-              <a:avLst/>
-            </a:prstGeom>
-            <a:ln>
-              <a:solidFill>
-                <a:schemeClr val="bg1"/>
-              </a:solidFill>
-            </a:ln>
-          </p:spPr>
-          <p:style>
-            <a:lnRef idx="1">
-              <a:schemeClr val="accent1"/>
-            </a:lnRef>
-            <a:fillRef idx="0">
-              <a:schemeClr val="accent1"/>
-            </a:fillRef>
-            <a:effectRef idx="0">
-              <a:schemeClr val="accent1"/>
-            </a:effectRef>
-            <a:fontRef idx="minor">
-              <a:schemeClr val="tx1"/>
-            </a:fontRef>
-          </p:style>
-        </p:cxnSp>
-        <p:cxnSp>
-          <p:nvCxnSpPr>
-            <p:cNvPr id="16" name="Straight Connector 15">
-              <a:extLst>
-                <a:ext uri="{FF2B5EF4-FFF2-40B4-BE49-F238E27FC236}">
-                  <a16:creationId xmlns:a16="http://schemas.microsoft.com/office/drawing/2014/main" id="{F6AE8785-0839-F1B0-7ACE-4ED1C091261E}"/>
-                </a:ext>
-              </a:extLst>
-            </p:cNvPr>
-            <p:cNvCxnSpPr/>
-            <p:nvPr/>
-          </p:nvCxnSpPr>
-          <p:spPr>
-            <a:xfrm>
-              <a:off x="4477732" y="3734586"/>
-              <a:ext cx="1998482" cy="0"/>
-            </a:xfrm>
-            <a:prstGeom prst="line">
-              <a:avLst/>
-            </a:prstGeom>
-            <a:ln>
-              <a:solidFill>
-                <a:schemeClr val="bg1"/>
-              </a:solidFill>
-            </a:ln>
-          </p:spPr>
-          <p:style>
-            <a:lnRef idx="1">
-              <a:schemeClr val="accent1"/>
-            </a:lnRef>
-            <a:fillRef idx="0">
-              <a:schemeClr val="accent1"/>
-            </a:fillRef>
-            <a:effectRef idx="0">
-              <a:schemeClr val="accent1"/>
-            </a:effectRef>
-            <a:fontRef idx="minor">
-              <a:schemeClr val="tx1"/>
-            </a:fontRef>
-          </p:style>
-        </p:cxnSp>
-        <p:sp>
-          <p:nvSpPr>
-            <p:cNvPr id="17" name="Rectangle 16">
-              <a:extLst>
-                <a:ext uri="{FF2B5EF4-FFF2-40B4-BE49-F238E27FC236}">
-                  <a16:creationId xmlns:a16="http://schemas.microsoft.com/office/drawing/2014/main" id="{B0031E0B-71C0-5DC3-BDEF-99FEEAADEF67}"/>
-                </a:ext>
-              </a:extLst>
-            </p:cNvPr>
-            <p:cNvSpPr/>
-            <p:nvPr/>
-          </p:nvSpPr>
-          <p:spPr>
-            <a:xfrm>
-              <a:off x="6655324" y="3260608"/>
-              <a:ext cx="1780480" cy="1187778"/>
-            </a:xfrm>
-            <a:prstGeom prst="rect">
-              <a:avLst/>
-            </a:prstGeom>
-            <a:noFill/>
-            <a:ln>
-              <a:solidFill>
-                <a:schemeClr val="bg1"/>
-              </a:solidFill>
-            </a:ln>
-          </p:spPr>
-          <p:style>
-            <a:lnRef idx="2">
-              <a:schemeClr val="accent1">
-                <a:shade val="15000"/>
-              </a:schemeClr>
-            </a:lnRef>
-            <a:fillRef idx="1">
-              <a:schemeClr val="accent1"/>
-            </a:fillRef>
-            <a:effectRef idx="0">
-              <a:schemeClr val="accent1"/>
-            </a:effectRef>
-            <a:fontRef idx="minor">
-              <a:schemeClr val="lt1"/>
-            </a:fontRef>
-          </p:style>
-          <p:txBody>
-            <a:bodyPr rtlCol="0" anchor="ctr"/>
-            <a:lstStyle/>
-            <a:p>
-              <a:pPr algn="ctr"/>
-              <a:endParaRPr lang="en-VN"/>
-            </a:p>
-          </p:txBody>
-        </p:sp>
-        <p:cxnSp>
-          <p:nvCxnSpPr>
-            <p:cNvPr id="18" name="Straight Connector 17">
-              <a:extLst>
-                <a:ext uri="{FF2B5EF4-FFF2-40B4-BE49-F238E27FC236}">
-                  <a16:creationId xmlns:a16="http://schemas.microsoft.com/office/drawing/2014/main" id="{A9FDDAE6-486D-5A59-592F-6DBD7F4CB028}"/>
-                </a:ext>
-              </a:extLst>
-            </p:cNvPr>
-            <p:cNvCxnSpPr>
-              <a:cxnSpLocks/>
-            </p:cNvCxnSpPr>
-            <p:nvPr/>
-          </p:nvCxnSpPr>
-          <p:spPr>
-            <a:xfrm>
-              <a:off x="6655324" y="3657600"/>
-              <a:ext cx="1780480" cy="0"/>
-            </a:xfrm>
-            <a:prstGeom prst="line">
-              <a:avLst/>
-            </a:prstGeom>
-            <a:ln>
-              <a:solidFill>
-                <a:schemeClr val="bg1"/>
-              </a:solidFill>
-            </a:ln>
-          </p:spPr>
-          <p:style>
-            <a:lnRef idx="1">
-              <a:schemeClr val="accent1"/>
-            </a:lnRef>
-            <a:fillRef idx="0">
-              <a:schemeClr val="accent1"/>
-            </a:fillRef>
-            <a:effectRef idx="0">
-              <a:schemeClr val="accent1"/>
-            </a:effectRef>
-            <a:fontRef idx="minor">
-              <a:schemeClr val="tx1"/>
-            </a:fontRef>
-          </p:style>
-        </p:cxnSp>
-        <p:cxnSp>
-          <p:nvCxnSpPr>
-            <p:cNvPr id="20" name="Straight Connector 19">
-              <a:extLst>
-                <a:ext uri="{FF2B5EF4-FFF2-40B4-BE49-F238E27FC236}">
-                  <a16:creationId xmlns:a16="http://schemas.microsoft.com/office/drawing/2014/main" id="{802527C1-202E-2B4D-EF8A-D7D9C1074B89}"/>
-                </a:ext>
-              </a:extLst>
-            </p:cNvPr>
-            <p:cNvCxnSpPr>
-              <a:cxnSpLocks/>
-            </p:cNvCxnSpPr>
-            <p:nvPr/>
-          </p:nvCxnSpPr>
-          <p:spPr>
-            <a:xfrm>
-              <a:off x="6655324" y="3734586"/>
-              <a:ext cx="1780480" cy="0"/>
-            </a:xfrm>
-            <a:prstGeom prst="line">
-              <a:avLst/>
-            </a:prstGeom>
-            <a:ln>
-              <a:solidFill>
-                <a:schemeClr val="bg1"/>
-              </a:solidFill>
-            </a:ln>
-          </p:spPr>
-          <p:style>
-            <a:lnRef idx="1">
-              <a:schemeClr val="accent1"/>
-            </a:lnRef>
-            <a:fillRef idx="0">
-              <a:schemeClr val="accent1"/>
-            </a:fillRef>
-            <a:effectRef idx="0">
-              <a:schemeClr val="accent1"/>
-            </a:effectRef>
-            <a:fontRef idx="minor">
-              <a:schemeClr val="tx1"/>
-            </a:fontRef>
-          </p:style>
-        </p:cxnSp>
-        <p:cxnSp>
-          <p:nvCxnSpPr>
-            <p:cNvPr id="35" name="Straight Arrow Connector 34">
-              <a:extLst>
-                <a:ext uri="{FF2B5EF4-FFF2-40B4-BE49-F238E27FC236}">
-                  <a16:creationId xmlns:a16="http://schemas.microsoft.com/office/drawing/2014/main" id="{BE75D2CC-2028-E094-A26F-12BDB14A7D60}"/>
-                </a:ext>
-              </a:extLst>
-            </p:cNvPr>
-            <p:cNvCxnSpPr>
-              <a:cxnSpLocks/>
-            </p:cNvCxnSpPr>
-            <p:nvPr/>
-          </p:nvCxnSpPr>
-          <p:spPr>
-            <a:xfrm>
-              <a:off x="4374036" y="2026763"/>
-              <a:ext cx="791854" cy="0"/>
-            </a:xfrm>
-            <a:prstGeom prst="straightConnector1">
-              <a:avLst/>
-            </a:prstGeom>
-            <a:ln w="28575">
-              <a:solidFill>
-                <a:schemeClr val="tx2"/>
-              </a:solidFill>
-              <a:headEnd type="diamond" w="med" len="med"/>
-              <a:tailEnd type="triangle" w="med" len="med"/>
-            </a:ln>
-          </p:spPr>
-          <p:style>
-            <a:lnRef idx="1">
-              <a:schemeClr val="accent1"/>
-            </a:lnRef>
-            <a:fillRef idx="0">
-              <a:schemeClr val="accent1"/>
-            </a:fillRef>
-            <a:effectRef idx="0">
-              <a:schemeClr val="accent1"/>
-            </a:effectRef>
-            <a:fontRef idx="minor">
-              <a:schemeClr val="tx1"/>
-            </a:fontRef>
-          </p:style>
-        </p:cxnSp>
-        <p:cxnSp>
-          <p:nvCxnSpPr>
-            <p:cNvPr id="46" name="Straight Arrow Connector 45">
-              <a:extLst>
-                <a:ext uri="{FF2B5EF4-FFF2-40B4-BE49-F238E27FC236}">
-                  <a16:creationId xmlns:a16="http://schemas.microsoft.com/office/drawing/2014/main" id="{BDBE9CAB-8D93-7FEC-B005-882265EB2EB1}"/>
-                </a:ext>
-              </a:extLst>
-            </p:cNvPr>
-            <p:cNvCxnSpPr>
-              <a:cxnSpLocks/>
-            </p:cNvCxnSpPr>
-            <p:nvPr/>
-          </p:nvCxnSpPr>
-          <p:spPr>
-            <a:xfrm flipV="1">
-              <a:off x="5467547" y="2707063"/>
-              <a:ext cx="857839" cy="535757"/>
-            </a:xfrm>
-            <a:prstGeom prst="straightConnector1">
-              <a:avLst/>
-            </a:prstGeom>
-            <a:ln w="28575">
-              <a:solidFill>
-                <a:schemeClr val="tx2"/>
-              </a:solidFill>
-              <a:tailEnd type="triangle"/>
-            </a:ln>
-          </p:spPr>
-          <p:style>
-            <a:lnRef idx="1">
-              <a:schemeClr val="accent1"/>
-            </a:lnRef>
-            <a:fillRef idx="0">
-              <a:schemeClr val="accent1"/>
-            </a:fillRef>
-            <a:effectRef idx="0">
-              <a:schemeClr val="accent1"/>
-            </a:effectRef>
-            <a:fontRef idx="minor">
-              <a:schemeClr val="tx1"/>
-            </a:fontRef>
-          </p:style>
-        </p:cxnSp>
-        <p:cxnSp>
-          <p:nvCxnSpPr>
-            <p:cNvPr id="47" name="Straight Arrow Connector 46">
-              <a:extLst>
-                <a:ext uri="{FF2B5EF4-FFF2-40B4-BE49-F238E27FC236}">
-                  <a16:creationId xmlns:a16="http://schemas.microsoft.com/office/drawing/2014/main" id="{874667CF-56BD-402F-FA5C-0AD02CD4CDDD}"/>
-                </a:ext>
-              </a:extLst>
-            </p:cNvPr>
-            <p:cNvCxnSpPr>
-              <a:cxnSpLocks/>
-            </p:cNvCxnSpPr>
-            <p:nvPr/>
-          </p:nvCxnSpPr>
-          <p:spPr>
-            <a:xfrm flipH="1" flipV="1">
-              <a:off x="6711885" y="2692429"/>
-              <a:ext cx="820134" cy="535757"/>
-            </a:xfrm>
-            <a:prstGeom prst="straightConnector1">
-              <a:avLst/>
-            </a:prstGeom>
-            <a:ln w="28575">
-              <a:solidFill>
-                <a:schemeClr val="tx2"/>
-              </a:solidFill>
-              <a:tailEnd type="triangle"/>
-            </a:ln>
-          </p:spPr>
-          <p:style>
-            <a:lnRef idx="1">
-              <a:schemeClr val="accent1"/>
-            </a:lnRef>
-            <a:fillRef idx="0">
-              <a:schemeClr val="accent1"/>
-            </a:fillRef>
-            <a:effectRef idx="0">
-              <a:schemeClr val="accent1"/>
-            </a:effectRef>
-            <a:fontRef idx="minor">
-              <a:schemeClr val="tx1"/>
-            </a:fontRef>
-          </p:style>
-        </p:cxnSp>
       </p:grpSp>
     </p:spTree>
     <p:extLst>
